--- a/erdos_rev.pptx
+++ b/erdos_rev.pptx
@@ -3363,7 +3363,7 @@
           <a:p>
             <a:r>
               <a:rPr lang="en-US" sz="4400" dirty="0"/>
-              <a:t>Central Actors in </a:t>
+              <a:t>Influential Actors in </a:t>
             </a:r>
             <a:br>
               <a:rPr lang="en-US" sz="4400" dirty="0"/>

--- a/erdos_rev.pptx
+++ b/erdos_rev.pptx
@@ -266,7 +266,7 @@
           <a:p>
             <a:fld id="{39D552DB-72D5-1A40-9BFA-BBCAB9DFD28B}" type="datetimeFigureOut">
               <a:rPr lang="en-US" smtClean="0"/>
-              <a:t>5/30/24</a:t>
+              <a:t>5/31/2024</a:t>
             </a:fld>
             <a:endParaRPr lang="en-US"/>
           </a:p>
@@ -464,7 +464,7 @@
           <a:p>
             <a:fld id="{39D552DB-72D5-1A40-9BFA-BBCAB9DFD28B}" type="datetimeFigureOut">
               <a:rPr lang="en-US" smtClean="0"/>
-              <a:t>5/30/24</a:t>
+              <a:t>5/31/2024</a:t>
             </a:fld>
             <a:endParaRPr lang="en-US"/>
           </a:p>
@@ -672,7 +672,7 @@
           <a:p>
             <a:fld id="{39D552DB-72D5-1A40-9BFA-BBCAB9DFD28B}" type="datetimeFigureOut">
               <a:rPr lang="en-US" smtClean="0"/>
-              <a:t>5/30/24</a:t>
+              <a:t>5/31/2024</a:t>
             </a:fld>
             <a:endParaRPr lang="en-US"/>
           </a:p>
@@ -870,7 +870,7 @@
           <a:p>
             <a:fld id="{39D552DB-72D5-1A40-9BFA-BBCAB9DFD28B}" type="datetimeFigureOut">
               <a:rPr lang="en-US" smtClean="0"/>
-              <a:t>5/30/24</a:t>
+              <a:t>5/31/2024</a:t>
             </a:fld>
             <a:endParaRPr lang="en-US"/>
           </a:p>
@@ -1145,7 +1145,7 @@
           <a:p>
             <a:fld id="{39D552DB-72D5-1A40-9BFA-BBCAB9DFD28B}" type="datetimeFigureOut">
               <a:rPr lang="en-US" smtClean="0"/>
-              <a:t>5/30/24</a:t>
+              <a:t>5/31/2024</a:t>
             </a:fld>
             <a:endParaRPr lang="en-US"/>
           </a:p>
@@ -1410,7 +1410,7 @@
           <a:p>
             <a:fld id="{39D552DB-72D5-1A40-9BFA-BBCAB9DFD28B}" type="datetimeFigureOut">
               <a:rPr lang="en-US" smtClean="0"/>
-              <a:t>5/30/24</a:t>
+              <a:t>5/31/2024</a:t>
             </a:fld>
             <a:endParaRPr lang="en-US"/>
           </a:p>
@@ -1822,7 +1822,7 @@
           <a:p>
             <a:fld id="{39D552DB-72D5-1A40-9BFA-BBCAB9DFD28B}" type="datetimeFigureOut">
               <a:rPr lang="en-US" smtClean="0"/>
-              <a:t>5/30/24</a:t>
+              <a:t>5/31/2024</a:t>
             </a:fld>
             <a:endParaRPr lang="en-US"/>
           </a:p>
@@ -1963,7 +1963,7 @@
           <a:p>
             <a:fld id="{39D552DB-72D5-1A40-9BFA-BBCAB9DFD28B}" type="datetimeFigureOut">
               <a:rPr lang="en-US" smtClean="0"/>
-              <a:t>5/30/24</a:t>
+              <a:t>5/31/2024</a:t>
             </a:fld>
             <a:endParaRPr lang="en-US"/>
           </a:p>
@@ -2076,7 +2076,7 @@
           <a:p>
             <a:fld id="{39D552DB-72D5-1A40-9BFA-BBCAB9DFD28B}" type="datetimeFigureOut">
               <a:rPr lang="en-US" smtClean="0"/>
-              <a:t>5/30/24</a:t>
+              <a:t>5/31/2024</a:t>
             </a:fld>
             <a:endParaRPr lang="en-US"/>
           </a:p>
@@ -2387,7 +2387,7 @@
           <a:p>
             <a:fld id="{39D552DB-72D5-1A40-9BFA-BBCAB9DFD28B}" type="datetimeFigureOut">
               <a:rPr lang="en-US" smtClean="0"/>
-              <a:t>5/30/24</a:t>
+              <a:t>5/31/2024</a:t>
             </a:fld>
             <a:endParaRPr lang="en-US"/>
           </a:p>
@@ -2675,7 +2675,7 @@
           <a:p>
             <a:fld id="{39D552DB-72D5-1A40-9BFA-BBCAB9DFD28B}" type="datetimeFigureOut">
               <a:rPr lang="en-US" smtClean="0"/>
-              <a:t>5/30/24</a:t>
+              <a:t>5/31/2024</a:t>
             </a:fld>
             <a:endParaRPr lang="en-US"/>
           </a:p>
@@ -2916,7 +2916,7 @@
           <a:p>
             <a:fld id="{39D552DB-72D5-1A40-9BFA-BBCAB9DFD28B}" type="datetimeFigureOut">
               <a:rPr lang="en-US" smtClean="0"/>
-              <a:t>5/30/24</a:t>
+              <a:t>5/31/2024</a:t>
             </a:fld>
             <a:endParaRPr lang="en-US"/>
           </a:p>
@@ -3981,8 +3981,8 @@
         </p:nvSpPr>
         <p:spPr>
           <a:xfrm>
-            <a:off x="846667" y="1825625"/>
-            <a:ext cx="6350546" cy="4351338"/>
+            <a:off x="846666" y="1825625"/>
+            <a:ext cx="5655733" cy="4351338"/>
           </a:xfrm>
         </p:spPr>
         <p:txBody>
@@ -3991,18 +3991,41 @@
           <a:p>
             <a:r>
               <a:rPr lang="en-US" dirty="0"/>
-              <a:t>Networks weighted by topic similarity</a:t>
+              <a:t>Networks created for each committee by each congress</a:t>
+            </a:r>
+          </a:p>
+          <a:p>
+            <a:r>
+              <a:rPr lang="en-US" dirty="0"/>
+              <a:t>Edges weighted by topic similarity</a:t>
             </a:r>
           </a:p>
           <a:p>
             <a:pPr lvl="1"/>
             <a:r>
               <a:rPr lang="en-US" dirty="0"/>
-              <a:t>Cosine similarity of each pair of members in the same committee</a:t>
-            </a:r>
-          </a:p>
-          <a:p>
-            <a:endParaRPr lang="en-US" dirty="0"/>
+              <a:t>Cosine similarity of each pair of members</a:t>
+            </a:r>
+          </a:p>
+          <a:p>
+            <a:r>
+              <a:rPr lang="en-US" dirty="0"/>
+              <a:t>Network structure analyzed</a:t>
+            </a:r>
+          </a:p>
+          <a:p>
+            <a:pPr lvl="1"/>
+            <a:r>
+              <a:rPr lang="en-US" dirty="0"/>
+              <a:t>Edge weights by party affiliation</a:t>
+            </a:r>
+          </a:p>
+          <a:p>
+            <a:pPr lvl="1"/>
+            <a:r>
+              <a:rPr lang="en-US" dirty="0"/>
+              <a:t>Centrality score with PageRank</a:t>
+            </a:r>
           </a:p>
         </p:txBody>
       </p:sp>
@@ -4020,8 +4043,8 @@
         </p:nvSpPr>
         <p:spPr>
           <a:xfrm>
-            <a:off x="7607667" y="5430827"/>
-            <a:ext cx="4429354" cy="923330"/>
+            <a:off x="7287491" y="5430118"/>
+            <a:ext cx="4424219" cy="923330"/>
           </a:xfrm>
           <a:prstGeom prst="rect">
             <a:avLst/>
@@ -4029,14 +4052,14 @@
           <a:noFill/>
         </p:spPr>
         <p:txBody>
-          <a:bodyPr wrap="none" rtlCol="0">
+          <a:bodyPr wrap="square" rtlCol="0">
             <a:spAutoFit/>
           </a:bodyPr>
           <a:lstStyle/>
           <a:p>
             <a:r>
               <a:rPr lang="en-US" dirty="0"/>
-              <a:t>House Budget Committee, 114</a:t>
+              <a:t>House Budget Committee, 111</a:t>
             </a:r>
             <a:r>
               <a:rPr lang="en-US" baseline="30000" dirty="0"/>
@@ -4050,23 +4073,17 @@
           <a:p>
             <a:r>
               <a:rPr lang="en-US" dirty="0"/>
-              <a:t>Edges weighted by topic similarity, </a:t>
-            </a:r>
-          </a:p>
-          <a:p>
-            <a:r>
-              <a:rPr lang="en-US" dirty="0"/>
-              <a:t>standardized within the committee</a:t>
+              <a:t>Edges weighted by topic similarity and node size given by PageRank</a:t>
             </a:r>
           </a:p>
         </p:txBody>
       </p:sp>
       <p:pic>
         <p:nvPicPr>
-          <p:cNvPr id="7" name="Picture 6" descr="A network of lines and dots&#10;&#10;Description automatically generated">
-            <a:extLst>
-              <a:ext uri="{FF2B5EF4-FFF2-40B4-BE49-F238E27FC236}">
-                <a16:creationId xmlns:a16="http://schemas.microsoft.com/office/drawing/2014/main" id="{1D75E8EE-BF2D-126D-619C-9F579BEC3796}"/>
+          <p:cNvPr id="6" name="Picture 5">
+            <a:extLst>
+              <a:ext uri="{FF2B5EF4-FFF2-40B4-BE49-F238E27FC236}">
+                <a16:creationId xmlns:a16="http://schemas.microsoft.com/office/drawing/2014/main" id="{4D0B4E43-1AF4-2BFB-2C6E-CA5187098101}"/>
               </a:ext>
             </a:extLst>
           </p:cNvPr>
@@ -4083,8 +4100,8 @@
         </p:blipFill>
         <p:spPr>
           <a:xfrm>
-            <a:off x="7607667" y="1027906"/>
-            <a:ext cx="4154172" cy="4154172"/>
+            <a:off x="6742545" y="1427882"/>
+            <a:ext cx="5294476" cy="4002945"/>
           </a:xfrm>
           <a:prstGeom prst="rect">
             <a:avLst/>
@@ -4233,10 +4250,10 @@
       </p:sp>
       <p:pic>
         <p:nvPicPr>
-          <p:cNvPr id="16" name="Picture 15" descr="A graph of a number of people&#10;&#10;Description automatically generated with medium confidence">
-            <a:extLst>
-              <a:ext uri="{FF2B5EF4-FFF2-40B4-BE49-F238E27FC236}">
-                <a16:creationId xmlns:a16="http://schemas.microsoft.com/office/drawing/2014/main" id="{AC8523CB-3C16-7728-ABCC-834F890EADCE}"/>
+          <p:cNvPr id="5" name="Picture 4">
+            <a:extLst>
+              <a:ext uri="{FF2B5EF4-FFF2-40B4-BE49-F238E27FC236}">
+                <a16:creationId xmlns:a16="http://schemas.microsoft.com/office/drawing/2014/main" id="{79C38994-3A70-C8AB-8478-4C33B97F6272}"/>
               </a:ext>
             </a:extLst>
           </p:cNvPr>
@@ -4253,8 +4270,8 @@
         </p:blipFill>
         <p:spPr>
           <a:xfrm>
-            <a:off x="6240411" y="1441450"/>
-            <a:ext cx="4991100" cy="3975100"/>
+            <a:off x="838201" y="1533701"/>
+            <a:ext cx="4839122" cy="3998997"/>
           </a:xfrm>
           <a:prstGeom prst="rect">
             <a:avLst/>
@@ -4263,10 +4280,10 @@
       </p:pic>
       <p:pic>
         <p:nvPicPr>
-          <p:cNvPr id="18" name="Picture 17" descr="A graph of a graph&#10;&#10;Description automatically generated with medium confidence">
-            <a:extLst>
-              <a:ext uri="{FF2B5EF4-FFF2-40B4-BE49-F238E27FC236}">
-                <a16:creationId xmlns:a16="http://schemas.microsoft.com/office/drawing/2014/main" id="{74F43849-AF31-B208-DA3B-64C5848E8DDB}"/>
+          <p:cNvPr id="8" name="Picture 7">
+            <a:extLst>
+              <a:ext uri="{FF2B5EF4-FFF2-40B4-BE49-F238E27FC236}">
+                <a16:creationId xmlns:a16="http://schemas.microsoft.com/office/drawing/2014/main" id="{E031C366-1777-FEDE-4686-DC54B09432D1}"/>
               </a:ext>
             </a:extLst>
           </p:cNvPr>
@@ -4283,8 +4300,8 @@
         </p:blipFill>
         <p:spPr>
           <a:xfrm>
-            <a:off x="535099" y="1441450"/>
-            <a:ext cx="5080000" cy="3975100"/>
+            <a:off x="6514678" y="1456892"/>
+            <a:ext cx="4839122" cy="3944216"/>
           </a:xfrm>
           <a:prstGeom prst="rect">
             <a:avLst/>
@@ -4344,7 +4361,7 @@
           <a:p>
             <a:r>
               <a:rPr lang="en-US" dirty="0"/>
-              <a:t>Potential Application</a:t>
+              <a:t>Potential Applications</a:t>
             </a:r>
           </a:p>
         </p:txBody>
@@ -4374,17 +4391,35 @@
           <a:p>
             <a:r>
               <a:rPr lang="en-US" dirty="0"/>
-              <a:t>Our case informs academic and public policy research</a:t>
+              <a:t>Our case informs academic and public policy research and provides a framework for future related studies</a:t>
             </a:r>
           </a:p>
           <a:p>
             <a:r>
               <a:rPr lang="en-US" dirty="0"/>
-              <a:t>The framework can inform online consumer research</a:t>
-            </a:r>
-          </a:p>
-          <a:p>
-            <a:endParaRPr lang="en-US" dirty="0"/>
+              <a:t>Additional applications outside of academic interests</a:t>
+            </a:r>
+          </a:p>
+          <a:p>
+            <a:pPr lvl="1"/>
+            <a:r>
+              <a:rPr lang="en-US" dirty="0"/>
+              <a:t>Social media trends</a:t>
+            </a:r>
+          </a:p>
+          <a:p>
+            <a:pPr lvl="1"/>
+            <a:r>
+              <a:rPr lang="en-US" dirty="0"/>
+              <a:t>Advertising campaigns</a:t>
+            </a:r>
+          </a:p>
+          <a:p>
+            <a:pPr lvl="1"/>
+            <a:r>
+              <a:rPr lang="en-US" dirty="0"/>
+              <a:t>Market and consumer research</a:t>
+            </a:r>
           </a:p>
           <a:p>
             <a:endParaRPr lang="en-US" dirty="0"/>

--- a/erdos_rev.pptx
+++ b/erdos_rev.pptx
@@ -266,7 +266,7 @@
           <a:p>
             <a:fld id="{39D552DB-72D5-1A40-9BFA-BBCAB9DFD28B}" type="datetimeFigureOut">
               <a:rPr lang="en-US" smtClean="0"/>
-              <a:t>5/31/2024</a:t>
+              <a:t>6/1/24</a:t>
             </a:fld>
             <a:endParaRPr lang="en-US"/>
           </a:p>
@@ -464,7 +464,7 @@
           <a:p>
             <a:fld id="{39D552DB-72D5-1A40-9BFA-BBCAB9DFD28B}" type="datetimeFigureOut">
               <a:rPr lang="en-US" smtClean="0"/>
-              <a:t>5/31/2024</a:t>
+              <a:t>6/1/24</a:t>
             </a:fld>
             <a:endParaRPr lang="en-US"/>
           </a:p>
@@ -672,7 +672,7 @@
           <a:p>
             <a:fld id="{39D552DB-72D5-1A40-9BFA-BBCAB9DFD28B}" type="datetimeFigureOut">
               <a:rPr lang="en-US" smtClean="0"/>
-              <a:t>5/31/2024</a:t>
+              <a:t>6/1/24</a:t>
             </a:fld>
             <a:endParaRPr lang="en-US"/>
           </a:p>
@@ -870,7 +870,7 @@
           <a:p>
             <a:fld id="{39D552DB-72D5-1A40-9BFA-BBCAB9DFD28B}" type="datetimeFigureOut">
               <a:rPr lang="en-US" smtClean="0"/>
-              <a:t>5/31/2024</a:t>
+              <a:t>6/1/24</a:t>
             </a:fld>
             <a:endParaRPr lang="en-US"/>
           </a:p>
@@ -1145,7 +1145,7 @@
           <a:p>
             <a:fld id="{39D552DB-72D5-1A40-9BFA-BBCAB9DFD28B}" type="datetimeFigureOut">
               <a:rPr lang="en-US" smtClean="0"/>
-              <a:t>5/31/2024</a:t>
+              <a:t>6/1/24</a:t>
             </a:fld>
             <a:endParaRPr lang="en-US"/>
           </a:p>
@@ -1410,7 +1410,7 @@
           <a:p>
             <a:fld id="{39D552DB-72D5-1A40-9BFA-BBCAB9DFD28B}" type="datetimeFigureOut">
               <a:rPr lang="en-US" smtClean="0"/>
-              <a:t>5/31/2024</a:t>
+              <a:t>6/1/24</a:t>
             </a:fld>
             <a:endParaRPr lang="en-US"/>
           </a:p>
@@ -1822,7 +1822,7 @@
           <a:p>
             <a:fld id="{39D552DB-72D5-1A40-9BFA-BBCAB9DFD28B}" type="datetimeFigureOut">
               <a:rPr lang="en-US" smtClean="0"/>
-              <a:t>5/31/2024</a:t>
+              <a:t>6/1/24</a:t>
             </a:fld>
             <a:endParaRPr lang="en-US"/>
           </a:p>
@@ -1963,7 +1963,7 @@
           <a:p>
             <a:fld id="{39D552DB-72D5-1A40-9BFA-BBCAB9DFD28B}" type="datetimeFigureOut">
               <a:rPr lang="en-US" smtClean="0"/>
-              <a:t>5/31/2024</a:t>
+              <a:t>6/1/24</a:t>
             </a:fld>
             <a:endParaRPr lang="en-US"/>
           </a:p>
@@ -2076,7 +2076,7 @@
           <a:p>
             <a:fld id="{39D552DB-72D5-1A40-9BFA-BBCAB9DFD28B}" type="datetimeFigureOut">
               <a:rPr lang="en-US" smtClean="0"/>
-              <a:t>5/31/2024</a:t>
+              <a:t>6/1/24</a:t>
             </a:fld>
             <a:endParaRPr lang="en-US"/>
           </a:p>
@@ -2387,7 +2387,7 @@
           <a:p>
             <a:fld id="{39D552DB-72D5-1A40-9BFA-BBCAB9DFD28B}" type="datetimeFigureOut">
               <a:rPr lang="en-US" smtClean="0"/>
-              <a:t>5/31/2024</a:t>
+              <a:t>6/1/24</a:t>
             </a:fld>
             <a:endParaRPr lang="en-US"/>
           </a:p>
@@ -2675,7 +2675,7 @@
           <a:p>
             <a:fld id="{39D552DB-72D5-1A40-9BFA-BBCAB9DFD28B}" type="datetimeFigureOut">
               <a:rPr lang="en-US" smtClean="0"/>
-              <a:t>5/31/2024</a:t>
+              <a:t>6/1/24</a:t>
             </a:fld>
             <a:endParaRPr lang="en-US"/>
           </a:p>
@@ -2916,7 +2916,7 @@
           <a:p>
             <a:fld id="{39D552DB-72D5-1A40-9BFA-BBCAB9DFD28B}" type="datetimeFigureOut">
               <a:rPr lang="en-US" smtClean="0"/>
-              <a:t>5/31/2024</a:t>
+              <a:t>6/1/24</a:t>
             </a:fld>
             <a:endParaRPr lang="en-US"/>
           </a:p>
@@ -4194,57 +4194,6 @@
           </a:p>
           <a:p>
             <a:endParaRPr lang="en-US" dirty="0"/>
-          </a:p>
-        </p:txBody>
-      </p:sp>
-      <p:sp>
-        <p:nvSpPr>
-          <p:cNvPr id="6" name="TextBox 5">
-            <a:extLst>
-              <a:ext uri="{FF2B5EF4-FFF2-40B4-BE49-F238E27FC236}">
-                <a16:creationId xmlns:a16="http://schemas.microsoft.com/office/drawing/2014/main" id="{96F11517-F3D9-CFF5-DCD2-1F9B235955EA}"/>
-              </a:ext>
-            </a:extLst>
-          </p:cNvPr>
-          <p:cNvSpPr txBox="1"/>
-          <p:nvPr/>
-        </p:nvSpPr>
-        <p:spPr>
-          <a:xfrm>
-            <a:off x="3881323" y="5664288"/>
-            <a:ext cx="4429354" cy="646331"/>
-          </a:xfrm>
-          <a:prstGeom prst="rect">
-            <a:avLst/>
-          </a:prstGeom>
-          <a:noFill/>
-        </p:spPr>
-        <p:txBody>
-          <a:bodyPr wrap="none" rtlCol="0">
-            <a:spAutoFit/>
-          </a:bodyPr>
-          <a:lstStyle/>
-          <a:p>
-            <a:pPr algn="ctr"/>
-            <a:r>
-              <a:rPr lang="en-US" dirty="0"/>
-              <a:t>House Budget Committee, 114</a:t>
-            </a:r>
-            <a:r>
-              <a:rPr lang="en-US" baseline="30000" dirty="0"/>
-              <a:t>th</a:t>
-            </a:r>
-            <a:r>
-              <a:rPr lang="en-US" dirty="0"/>
-              <a:t> Congress.</a:t>
-            </a:r>
-          </a:p>
-          <a:p>
-            <a:pPr algn="ctr"/>
-            <a:r>
-              <a:rPr lang="en-US" dirty="0"/>
-              <a:t>Mean cosine similarity by edge types</a:t>
-            </a:r>
           </a:p>
         </p:txBody>
       </p:sp>
